--- a/docs/Презентация DigiSpark.pptx
+++ b/docs/Презентация DigiSpark.pptx
@@ -301,7 +301,7 @@
           <a:p>
             <a:fld id="{4AAD347D-5ACD-4C99-B74B-A9C85AD731AF}" type="datetimeFigureOut">
               <a:rPr lang="en-US" dirty="0"/>
-              <a:t>5/3/2025</a:t>
+              <a:t>5/16/2025</a:t>
             </a:fld>
             <a:endParaRPr lang="en-US" dirty="0"/>
           </a:p>
@@ -571,7 +571,7 @@
           <a:p>
             <a:fld id="{4509A250-FF31-4206-8172-F9D3106AACB1}" type="datetimeFigureOut">
               <a:rPr lang="en-US" dirty="0"/>
-              <a:t>5/3/2025</a:t>
+              <a:t>5/16/2025</a:t>
             </a:fld>
             <a:endParaRPr lang="en-US" dirty="0"/>
           </a:p>
@@ -760,7 +760,7 @@
           <a:p>
             <a:fld id="{4509A250-FF31-4206-8172-F9D3106AACB1}" type="datetimeFigureOut">
               <a:rPr lang="en-US" dirty="0"/>
-              <a:t>5/3/2025</a:t>
+              <a:t>5/16/2025</a:t>
             </a:fld>
             <a:endParaRPr lang="en-US" dirty="0"/>
           </a:p>
@@ -1023,7 +1023,7 @@
           <a:p>
             <a:fld id="{4509A250-FF31-4206-8172-F9D3106AACB1}" type="datetimeFigureOut">
               <a:rPr lang="en-US" dirty="0"/>
-              <a:t>5/3/2025</a:t>
+              <a:t>5/16/2025</a:t>
             </a:fld>
             <a:endParaRPr lang="en-US" dirty="0"/>
           </a:p>
@@ -1350,7 +1350,7 @@
           <a:p>
             <a:fld id="{4509A250-FF31-4206-8172-F9D3106AACB1}" type="datetimeFigureOut">
               <a:rPr lang="en-US" dirty="0"/>
-              <a:t>5/3/2025</a:t>
+              <a:t>5/16/2025</a:t>
             </a:fld>
             <a:endParaRPr lang="en-US" dirty="0"/>
           </a:p>
@@ -1955,7 +1955,7 @@
           <a:p>
             <a:fld id="{4509A250-FF31-4206-8172-F9D3106AACB1}" type="datetimeFigureOut">
               <a:rPr lang="en-US" dirty="0"/>
-              <a:t>5/3/2025</a:t>
+              <a:t>5/16/2025</a:t>
             </a:fld>
             <a:endParaRPr lang="en-US" dirty="0"/>
           </a:p>
@@ -2797,7 +2797,7 @@
           <a:p>
             <a:fld id="{4509A250-FF31-4206-8172-F9D3106AACB1}" type="datetimeFigureOut">
               <a:rPr lang="en-US" dirty="0"/>
-              <a:t>5/3/2025</a:t>
+              <a:t>5/16/2025</a:t>
             </a:fld>
             <a:endParaRPr lang="en-US" dirty="0"/>
           </a:p>
@@ -2962,7 +2962,7 @@
           <a:p>
             <a:fld id="{4509A250-FF31-4206-8172-F9D3106AACB1}" type="datetimeFigureOut">
               <a:rPr lang="en-US" dirty="0"/>
-              <a:t>5/3/2025</a:t>
+              <a:t>5/16/2025</a:t>
             </a:fld>
             <a:endParaRPr lang="en-US" dirty="0"/>
           </a:p>
@@ -3137,7 +3137,7 @@
           <a:p>
             <a:fld id="{4509A250-FF31-4206-8172-F9D3106AACB1}" type="datetimeFigureOut">
               <a:rPr lang="en-US" dirty="0"/>
-              <a:t>5/3/2025</a:t>
+              <a:t>5/16/2025</a:t>
             </a:fld>
             <a:endParaRPr lang="en-US" dirty="0"/>
           </a:p>
@@ -3302,7 +3302,7 @@
           <a:p>
             <a:fld id="{4509A250-FF31-4206-8172-F9D3106AACB1}" type="datetimeFigureOut">
               <a:rPr lang="en-US" dirty="0"/>
-              <a:t>5/3/2025</a:t>
+              <a:t>5/16/2025</a:t>
             </a:fld>
             <a:endParaRPr lang="en-US" dirty="0"/>
           </a:p>
@@ -3541,7 +3541,7 @@
           <a:p>
             <a:fld id="{4509A250-FF31-4206-8172-F9D3106AACB1}" type="datetimeFigureOut">
               <a:rPr lang="en-US" dirty="0"/>
-              <a:t>5/3/2025</a:t>
+              <a:t>5/16/2025</a:t>
             </a:fld>
             <a:endParaRPr lang="en-US" dirty="0"/>
           </a:p>
@@ -3828,7 +3828,7 @@
           <a:p>
             <a:fld id="{4509A250-FF31-4206-8172-F9D3106AACB1}" type="datetimeFigureOut">
               <a:rPr lang="en-US" dirty="0"/>
-              <a:t>5/3/2025</a:t>
+              <a:t>5/16/2025</a:t>
             </a:fld>
             <a:endParaRPr lang="en-US" dirty="0"/>
           </a:p>
@@ -4261,7 +4261,7 @@
           <a:p>
             <a:fld id="{4509A250-FF31-4206-8172-F9D3106AACB1}" type="datetimeFigureOut">
               <a:rPr lang="en-US" dirty="0"/>
-              <a:t>5/3/2025</a:t>
+              <a:t>5/16/2025</a:t>
             </a:fld>
             <a:endParaRPr lang="en-US" dirty="0"/>
           </a:p>
@@ -4374,7 +4374,7 @@
           <a:p>
             <a:fld id="{4509A250-FF31-4206-8172-F9D3106AACB1}" type="datetimeFigureOut">
               <a:rPr lang="en-US" dirty="0"/>
-              <a:t>5/3/2025</a:t>
+              <a:t>5/16/2025</a:t>
             </a:fld>
             <a:endParaRPr lang="en-US" dirty="0"/>
           </a:p>
@@ -4464,7 +4464,7 @@
           <a:p>
             <a:fld id="{4509A250-FF31-4206-8172-F9D3106AACB1}" type="datetimeFigureOut">
               <a:rPr lang="en-US" dirty="0"/>
-              <a:t>5/3/2025</a:t>
+              <a:t>5/16/2025</a:t>
             </a:fld>
             <a:endParaRPr lang="en-US" dirty="0"/>
           </a:p>
@@ -4738,7 +4738,7 @@
           <a:p>
             <a:fld id="{4509A250-FF31-4206-8172-F9D3106AACB1}" type="datetimeFigureOut">
               <a:rPr lang="en-US" dirty="0"/>
-              <a:t>5/3/2025</a:t>
+              <a:t>5/16/2025</a:t>
             </a:fld>
             <a:endParaRPr lang="en-US" dirty="0"/>
           </a:p>
@@ -5008,7 +5008,7 @@
           <a:p>
             <a:fld id="{4509A250-FF31-4206-8172-F9D3106AACB1}" type="datetimeFigureOut">
               <a:rPr lang="en-US" dirty="0"/>
-              <a:t>5/3/2025</a:t>
+              <a:t>5/16/2025</a:t>
             </a:fld>
             <a:endParaRPr lang="en-US" dirty="0"/>
           </a:p>
@@ -5432,7 +5432,7 @@
           <a:p>
             <a:fld id="{4509A250-FF31-4206-8172-F9D3106AACB1}" type="datetimeFigureOut">
               <a:rPr lang="en-US" dirty="0"/>
-              <a:t>5/3/2025</a:t>
+              <a:t>5/16/2025</a:t>
             </a:fld>
             <a:endParaRPr lang="en-US" dirty="0"/>
           </a:p>
@@ -6521,6 +6521,36 @@
           </a:p>
         </p:txBody>
       </p:sp>
+      <p:pic>
+        <p:nvPicPr>
+          <p:cNvPr id="5" name="Рисунок 4">
+            <a:extLst>
+              <a:ext uri="{FF2B5EF4-FFF2-40B4-BE49-F238E27FC236}">
+                <a16:creationId xmlns:a16="http://schemas.microsoft.com/office/drawing/2014/main" id="{5361903A-1AAA-457D-A605-5DB57537E4D3}"/>
+              </a:ext>
+            </a:extLst>
+          </p:cNvPr>
+          <p:cNvPicPr>
+            <a:picLocks noChangeAspect="1"/>
+          </p:cNvPicPr>
+          <p:nvPr/>
+        </p:nvPicPr>
+        <p:blipFill>
+          <a:blip r:embed="rId2"/>
+          <a:stretch>
+            <a:fillRect/>
+          </a:stretch>
+        </p:blipFill>
+        <p:spPr>
+          <a:xfrm>
+            <a:off x="1016949" y="1281869"/>
+            <a:ext cx="9955850" cy="5331828"/>
+          </a:xfrm>
+          <a:prstGeom prst="rect">
+            <a:avLst/>
+          </a:prstGeom>
+        </p:spPr>
+      </p:pic>
     </p:spTree>
     <p:extLst>
       <p:ext uri="{BB962C8B-B14F-4D97-AF65-F5344CB8AC3E}">
@@ -6605,6 +6635,36 @@
           </a:p>
         </p:txBody>
       </p:sp>
+      <p:pic>
+        <p:nvPicPr>
+          <p:cNvPr id="5" name="Рисунок 4">
+            <a:extLst>
+              <a:ext uri="{FF2B5EF4-FFF2-40B4-BE49-F238E27FC236}">
+                <a16:creationId xmlns:a16="http://schemas.microsoft.com/office/drawing/2014/main" id="{EE2424A5-F3A0-4FDC-80C5-B8280ACD4DAE}"/>
+              </a:ext>
+            </a:extLst>
+          </p:cNvPr>
+          <p:cNvPicPr>
+            <a:picLocks noChangeAspect="1"/>
+          </p:cNvPicPr>
+          <p:nvPr/>
+        </p:nvPicPr>
+        <p:blipFill>
+          <a:blip r:embed="rId2"/>
+          <a:stretch>
+            <a:fillRect/>
+          </a:stretch>
+        </p:blipFill>
+        <p:spPr>
+          <a:xfrm>
+            <a:off x="448653" y="1290415"/>
+            <a:ext cx="10746337" cy="5238162"/>
+          </a:xfrm>
+          <a:prstGeom prst="rect">
+            <a:avLst/>
+          </a:prstGeom>
+        </p:spPr>
+      </p:pic>
     </p:spTree>
     <p:extLst>
       <p:ext uri="{BB962C8B-B14F-4D97-AF65-F5344CB8AC3E}">
